--- a/prabhaprojectppt.pptx
+++ b/prabhaprojectppt.pptx
@@ -4738,14 +4738,21 @@
             <p:ph type="title"/>
           </p:nvPr>
         </p:nvSpPr>
-        <p:spPr/>
+        <p:spPr>
+          <a:xfrm>
+            <a:off x="520979" y="1124744"/>
+            <a:ext cx="10681335" cy="758190"/>
+          </a:xfrm>
+        </p:spPr>
         <p:txBody>
           <a:bodyPr/>
           <a:lstStyle/>
           <a:p>
             <a:r>
-              <a:rPr lang="en-US" dirty="0"/>
-              <a:t>Project link</a:t>
+              <a:rPr lang="en-US" u="sng" dirty="0">
+                <a:latin typeface="Sitka Display" pitchFamily="2" charset="0"/>
+              </a:rPr>
+              <a:t>Project link :</a:t>
             </a:r>
           </a:p>
         </p:txBody>
@@ -4762,7 +4769,7 @@
         </p:nvSpPr>
         <p:spPr>
           <a:xfrm>
-            <a:off x="1023902" y="2786058"/>
+            <a:off x="520979" y="2708920"/>
             <a:ext cx="10915688" cy="430887"/>
           </a:xfrm>
         </p:spPr>
@@ -4770,6 +4777,12 @@
           <a:bodyPr/>
           <a:lstStyle/>
           <a:p>
+            <a:r>
+              <a:rPr lang="en-US" sz="2800" dirty="0">
+                <a:hlinkClick r:id="rId2"/>
+              </a:rPr>
+              <a:t>https://github.com/PrabhakarPULIGADDA/prabhakar-Project.git</a:t>
+            </a:r>
             <a:endParaRPr lang="en-US" sz="2800" dirty="0"/>
           </a:p>
         </p:txBody>
